--- a/Assets/Assistant.pptx
+++ b/Assets/Assistant.pptx
@@ -18,16 +18,16 @@
       <p:regular r:id="rId4"/>
     </p:embeddedFont>
     <p:embeddedFont>
-      <p:font typeface="Dosis" panose="020B0604020202020204" charset="0"/>
+      <p:font typeface="Arial Rounded MT Bold" panose="020F0704030504030204" pitchFamily="34" charset="0"/>
       <p:regular r:id="rId5"/>
-      <p:bold r:id="rId6"/>
-    </p:embeddedFont>
-    <p:embeddedFont>
-      <p:font typeface="Arial Rounded MT Bold" panose="020F0704030504030204" pitchFamily="34" charset="0"/>
-      <p:regular r:id="rId7"/>
     </p:embeddedFont>
     <p:embeddedFont>
       <p:font typeface="Nanum Gothic Coding" panose="020B0604020202020204" charset="-127"/>
+      <p:regular r:id="rId6"/>
+      <p:bold r:id="rId7"/>
+    </p:embeddedFont>
+    <p:embeddedFont>
+      <p:font typeface="Dosis" panose="020B0604020202020204" charset="0"/>
       <p:regular r:id="rId8"/>
       <p:bold r:id="rId9"/>
     </p:embeddedFont>
@@ -32821,7 +32821,25 @@
                 </a:solidFill>
                 <a:latin typeface="Algerian" panose="04020705040A02060702" pitchFamily="82" charset="0"/>
               </a:rPr>
-              <a:t>WELCOME TO OUR PRESENTATion</a:t>
+              <a:t>WELCOME </a:t>
+            </a:r>
+            <a:r>
+              <a:rPr lang="en-US" sz="4400" b="1" smtClean="0">
+                <a:solidFill>
+                  <a:srgbClr val="002060"/>
+                </a:solidFill>
+                <a:latin typeface="Algerian" panose="04020705040A02060702" pitchFamily="82" charset="0"/>
+              </a:rPr>
+              <a:t>TO </a:t>
+            </a:r>
+            <a:r>
+              <a:rPr lang="en-US" sz="4400" b="1" smtClean="0">
+                <a:solidFill>
+                  <a:srgbClr val="002060"/>
+                </a:solidFill>
+                <a:latin typeface="Algerian" panose="04020705040A02060702" pitchFamily="82" charset="0"/>
+              </a:rPr>
+              <a:t>my PRESENTATion</a:t>
             </a:r>
             <a:endParaRPr lang="en-US" sz="4400" b="1" dirty="0">
               <a:solidFill>
